--- a/docs/Poster_DellaCasa_Bobillier.pptx
+++ b/docs/Poster_DellaCasa_Bobillier.pptx
@@ -14,7 +14,7 @@
     <p:sldId id="256" r:id="rId6"/>
   </p:sldIdLst>
   <p:sldSz cx="21242338" cy="29883100"/>
-  <p:notesSz cx="20567650" cy="29459238"/>
+  <p:notesSz cx="29456063" cy="41984613"/>
   <p:defaultTextStyle>
     <a:defPPr>
       <a:defRPr lang="en-US"/>
@@ -224,8 +224,8 @@
         </p:nvSpPr>
         <p:spPr bwMode="auto">
           <a:xfrm>
-            <a:off x="0" y="1"/>
-            <a:ext cx="8910424" cy="1471422"/>
+            <a:off x="2" y="2"/>
+            <a:ext cx="12761108" cy="2097036"/>
           </a:xfrm>
           <a:prstGeom prst="rect">
             <a:avLst/>
@@ -265,13 +265,13 @@
           </a:extLst>
         </p:spPr>
         <p:txBody>
-          <a:bodyPr vert="horz" wrap="square" lIns="285730" tIns="142866" rIns="285730" bIns="142866" numCol="1" anchor="t" anchorCtr="0" compatLnSpc="1">
+          <a:bodyPr vert="horz" wrap="square" lIns="407926" tIns="203967" rIns="407926" bIns="203967" numCol="1" anchor="t" anchorCtr="0" compatLnSpc="1">
             <a:prstTxWarp prst="textNoShape">
               <a:avLst/>
             </a:prstTxWarp>
           </a:bodyPr>
           <a:lstStyle>
-            <a:lvl1pPr defTabSz="2854997">
+            <a:lvl1pPr defTabSz="4075983">
               <a:spcBef>
                 <a:spcPct val="0"/>
               </a:spcBef>
@@ -279,7 +279,7 @@
               <a:buSzTx/>
               <a:buFontTx/>
               <a:buNone/>
-              <a:defRPr sz="3600">
+              <a:defRPr sz="5200">
                 <a:latin typeface="Times New Roman" panose="02020603050405020304" pitchFamily="18" charset="0"/>
               </a:defRPr>
             </a:lvl1pPr>
@@ -301,8 +301,8 @@
         </p:nvSpPr>
         <p:spPr bwMode="auto">
           <a:xfrm>
-            <a:off x="11657226" y="1"/>
-            <a:ext cx="8910424" cy="1471422"/>
+            <a:off x="16694957" y="2"/>
+            <a:ext cx="12761108" cy="2097036"/>
           </a:xfrm>
           <a:prstGeom prst="rect">
             <a:avLst/>
@@ -342,13 +342,13 @@
           </a:extLst>
         </p:spPr>
         <p:txBody>
-          <a:bodyPr vert="horz" wrap="square" lIns="285730" tIns="142866" rIns="285730" bIns="142866" numCol="1" anchor="t" anchorCtr="0" compatLnSpc="1">
+          <a:bodyPr vert="horz" wrap="square" lIns="407926" tIns="203967" rIns="407926" bIns="203967" numCol="1" anchor="t" anchorCtr="0" compatLnSpc="1">
             <a:prstTxWarp prst="textNoShape">
               <a:avLst/>
             </a:prstTxWarp>
           </a:bodyPr>
           <a:lstStyle>
-            <a:lvl1pPr algn="r" defTabSz="2854997">
+            <a:lvl1pPr algn="r" defTabSz="4075983">
               <a:spcBef>
                 <a:spcPct val="0"/>
               </a:spcBef>
@@ -356,7 +356,7 @@
               <a:buSzTx/>
               <a:buFontTx/>
               <a:buNone/>
-              <a:defRPr sz="3600">
+              <a:defRPr sz="5200">
                 <a:latin typeface="Times New Roman" panose="02020603050405020304" pitchFamily="18" charset="0"/>
               </a:defRPr>
             </a:lvl1pPr>
@@ -378,8 +378,8 @@
         </p:nvSpPr>
         <p:spPr bwMode="auto">
           <a:xfrm>
-            <a:off x="0" y="27987817"/>
-            <a:ext cx="8910424" cy="1471422"/>
+            <a:off x="2" y="39887579"/>
+            <a:ext cx="12761108" cy="2097036"/>
           </a:xfrm>
           <a:prstGeom prst="rect">
             <a:avLst/>
@@ -419,13 +419,13 @@
           </a:extLst>
         </p:spPr>
         <p:txBody>
-          <a:bodyPr vert="horz" wrap="square" lIns="285730" tIns="142866" rIns="285730" bIns="142866" numCol="1" anchor="b" anchorCtr="0" compatLnSpc="1">
+          <a:bodyPr vert="horz" wrap="square" lIns="407926" tIns="203967" rIns="407926" bIns="203967" numCol="1" anchor="b" anchorCtr="0" compatLnSpc="1">
             <a:prstTxWarp prst="textNoShape">
               <a:avLst/>
             </a:prstTxWarp>
           </a:bodyPr>
           <a:lstStyle>
-            <a:lvl1pPr defTabSz="2854997">
+            <a:lvl1pPr defTabSz="4075983">
               <a:spcBef>
                 <a:spcPct val="0"/>
               </a:spcBef>
@@ -433,7 +433,7 @@
               <a:buSzTx/>
               <a:buFontTx/>
               <a:buNone/>
-              <a:defRPr sz="3600">
+              <a:defRPr sz="5200">
                 <a:latin typeface="Times New Roman" panose="02020603050405020304" pitchFamily="18" charset="0"/>
               </a:defRPr>
             </a:lvl1pPr>
@@ -455,8 +455,8 @@
         </p:nvSpPr>
         <p:spPr bwMode="auto">
           <a:xfrm>
-            <a:off x="11657226" y="27987817"/>
-            <a:ext cx="8910424" cy="1471422"/>
+            <a:off x="16694957" y="39887579"/>
+            <a:ext cx="12761108" cy="2097036"/>
           </a:xfrm>
           <a:prstGeom prst="rect">
             <a:avLst/>
@@ -496,13 +496,13 @@
           </a:extLst>
         </p:spPr>
         <p:txBody>
-          <a:bodyPr vert="horz" wrap="square" lIns="285730" tIns="142866" rIns="285730" bIns="142866" numCol="1" anchor="b" anchorCtr="0" compatLnSpc="1">
+          <a:bodyPr vert="horz" wrap="square" lIns="407926" tIns="203967" rIns="407926" bIns="203967" numCol="1" anchor="b" anchorCtr="0" compatLnSpc="1">
             <a:prstTxWarp prst="textNoShape">
               <a:avLst/>
             </a:prstTxWarp>
           </a:bodyPr>
           <a:lstStyle>
-            <a:lvl1pPr algn="r" defTabSz="2854997">
+            <a:lvl1pPr algn="r" defTabSz="4075983">
               <a:spcBef>
                 <a:spcPct val="0"/>
               </a:spcBef>
@@ -510,7 +510,7 @@
               <a:buSzTx/>
               <a:buFontTx/>
               <a:buNone/>
-              <a:defRPr sz="3600">
+              <a:defRPr sz="5200">
                 <a:latin typeface="Times New Roman" panose="02020603050405020304" pitchFamily="18" charset="0"/>
               </a:defRPr>
             </a:lvl1pPr>
@@ -573,8 +573,8 @@
         </p:nvSpPr>
         <p:spPr bwMode="auto">
           <a:xfrm>
-            <a:off x="0" y="1"/>
-            <a:ext cx="8910424" cy="1471422"/>
+            <a:off x="2" y="2"/>
+            <a:ext cx="12761108" cy="2097036"/>
           </a:xfrm>
           <a:prstGeom prst="rect">
             <a:avLst/>
@@ -614,13 +614,13 @@
           </a:extLst>
         </p:spPr>
         <p:txBody>
-          <a:bodyPr vert="horz" wrap="square" lIns="285730" tIns="142866" rIns="285730" bIns="142866" numCol="1" anchor="t" anchorCtr="0" compatLnSpc="1">
+          <a:bodyPr vert="horz" wrap="square" lIns="407926" tIns="203967" rIns="407926" bIns="203967" numCol="1" anchor="t" anchorCtr="0" compatLnSpc="1">
             <a:prstTxWarp prst="textNoShape">
               <a:avLst/>
             </a:prstTxWarp>
           </a:bodyPr>
           <a:lstStyle>
-            <a:lvl1pPr defTabSz="2854997">
+            <a:lvl1pPr defTabSz="4075983">
               <a:spcBef>
                 <a:spcPct val="0"/>
               </a:spcBef>
@@ -628,7 +628,7 @@
               <a:buSzTx/>
               <a:buFontTx/>
               <a:buNone/>
-              <a:defRPr sz="3600">
+              <a:defRPr sz="5200">
                 <a:latin typeface="Times New Roman" panose="02020603050405020304" pitchFamily="18" charset="0"/>
               </a:defRPr>
             </a:lvl1pPr>
@@ -650,8 +650,8 @@
         </p:nvSpPr>
         <p:spPr bwMode="auto">
           <a:xfrm>
-            <a:off x="11657226" y="1"/>
-            <a:ext cx="8910424" cy="1471422"/>
+            <a:off x="16694957" y="2"/>
+            <a:ext cx="12761108" cy="2097036"/>
           </a:xfrm>
           <a:prstGeom prst="rect">
             <a:avLst/>
@@ -691,13 +691,13 @@
           </a:extLst>
         </p:spPr>
         <p:txBody>
-          <a:bodyPr vert="horz" wrap="square" lIns="285730" tIns="142866" rIns="285730" bIns="142866" numCol="1" anchor="t" anchorCtr="0" compatLnSpc="1">
+          <a:bodyPr vert="horz" wrap="square" lIns="407926" tIns="203967" rIns="407926" bIns="203967" numCol="1" anchor="t" anchorCtr="0" compatLnSpc="1">
             <a:prstTxWarp prst="textNoShape">
               <a:avLst/>
             </a:prstTxWarp>
           </a:bodyPr>
           <a:lstStyle>
-            <a:lvl1pPr algn="r" defTabSz="2854997">
+            <a:lvl1pPr algn="r" defTabSz="4075983">
               <a:spcBef>
                 <a:spcPct val="0"/>
               </a:spcBef>
@@ -705,7 +705,7 @@
               <a:buSzTx/>
               <a:buFontTx/>
               <a:buNone/>
-              <a:defRPr sz="3600">
+              <a:defRPr sz="5200">
                 <a:latin typeface="Times New Roman" panose="02020603050405020304" pitchFamily="18" charset="0"/>
               </a:defRPr>
             </a:lvl1pPr>
@@ -727,8 +727,8 @@
         </p:nvSpPr>
         <p:spPr bwMode="auto">
           <a:xfrm>
-            <a:off x="6359525" y="2209800"/>
-            <a:ext cx="7848600" cy="11042650"/>
+            <a:off x="9134475" y="3152775"/>
+            <a:ext cx="11187113" cy="15736888"/>
           </a:xfrm>
           <a:prstGeom prst="rect">
             <a:avLst/>
@@ -771,8 +771,8 @@
         </p:nvSpPr>
         <p:spPr bwMode="auto">
           <a:xfrm>
-            <a:off x="2740450" y="13991477"/>
-            <a:ext cx="15086754" cy="13259007"/>
+            <a:off x="3924752" y="19940323"/>
+            <a:ext cx="21606572" cy="18896425"/>
           </a:xfrm>
           <a:prstGeom prst="rect">
             <a:avLst/>
@@ -812,7 +812,7 @@
           </a:extLst>
         </p:spPr>
         <p:txBody>
-          <a:bodyPr vert="horz" wrap="square" lIns="285730" tIns="142866" rIns="285730" bIns="142866" numCol="1" anchor="t" anchorCtr="0" compatLnSpc="1">
+          <a:bodyPr vert="horz" wrap="square" lIns="407926" tIns="203967" rIns="407926" bIns="203967" numCol="1" anchor="t" anchorCtr="0" compatLnSpc="1">
             <a:prstTxWarp prst="textNoShape">
               <a:avLst/>
             </a:prstTxWarp>
@@ -867,8 +867,8 @@
         </p:nvSpPr>
         <p:spPr bwMode="auto">
           <a:xfrm>
-            <a:off x="0" y="27987817"/>
-            <a:ext cx="8910424" cy="1471422"/>
+            <a:off x="2" y="39887579"/>
+            <a:ext cx="12761108" cy="2097036"/>
           </a:xfrm>
           <a:prstGeom prst="rect">
             <a:avLst/>
@@ -908,13 +908,13 @@
           </a:extLst>
         </p:spPr>
         <p:txBody>
-          <a:bodyPr vert="horz" wrap="square" lIns="285730" tIns="142866" rIns="285730" bIns="142866" numCol="1" anchor="b" anchorCtr="0" compatLnSpc="1">
+          <a:bodyPr vert="horz" wrap="square" lIns="407926" tIns="203967" rIns="407926" bIns="203967" numCol="1" anchor="b" anchorCtr="0" compatLnSpc="1">
             <a:prstTxWarp prst="textNoShape">
               <a:avLst/>
             </a:prstTxWarp>
           </a:bodyPr>
           <a:lstStyle>
-            <a:lvl1pPr defTabSz="2854997">
+            <a:lvl1pPr defTabSz="4075983">
               <a:spcBef>
                 <a:spcPct val="0"/>
               </a:spcBef>
@@ -922,7 +922,7 @@
               <a:buSzTx/>
               <a:buFontTx/>
               <a:buNone/>
-              <a:defRPr sz="3600">
+              <a:defRPr sz="5200">
                 <a:latin typeface="Times New Roman" panose="02020603050405020304" pitchFamily="18" charset="0"/>
               </a:defRPr>
             </a:lvl1pPr>
@@ -944,8 +944,8 @@
         </p:nvSpPr>
         <p:spPr bwMode="auto">
           <a:xfrm>
-            <a:off x="11657226" y="27987817"/>
-            <a:ext cx="8910424" cy="1471422"/>
+            <a:off x="16694957" y="39887579"/>
+            <a:ext cx="12761108" cy="2097036"/>
           </a:xfrm>
           <a:prstGeom prst="rect">
             <a:avLst/>
@@ -985,13 +985,13 @@
           </a:extLst>
         </p:spPr>
         <p:txBody>
-          <a:bodyPr vert="horz" wrap="square" lIns="285730" tIns="142866" rIns="285730" bIns="142866" numCol="1" anchor="b" anchorCtr="0" compatLnSpc="1">
+          <a:bodyPr vert="horz" wrap="square" lIns="407926" tIns="203967" rIns="407926" bIns="203967" numCol="1" anchor="b" anchorCtr="0" compatLnSpc="1">
             <a:prstTxWarp prst="textNoShape">
               <a:avLst/>
             </a:prstTxWarp>
           </a:bodyPr>
           <a:lstStyle>
-            <a:lvl1pPr algn="r" defTabSz="2854997">
+            <a:lvl1pPr algn="r" defTabSz="4075983">
               <a:spcBef>
                 <a:spcPct val="0"/>
               </a:spcBef>
@@ -999,7 +999,7 @@
               <a:buSzTx/>
               <a:buFontTx/>
               <a:buNone/>
-              <a:defRPr sz="3600">
+              <a:defRPr sz="5200">
                 <a:latin typeface="Times New Roman" panose="02020603050405020304" pitchFamily="18" charset="0"/>
               </a:defRPr>
             </a:lvl1pPr>
@@ -4087,30 +4087,17 @@
             </a:r>
             <a:r>
               <a:rPr lang="fr-CH" sz="4000" dirty="0" smtClean="0"/>
-              <a:t> qui </a:t>
-            </a:r>
+              <a:t> qui permet de transformer des coordonnées entre la France et la Suisse.</a:t>
+            </a:r>
+          </a:p>
+          <a:p>
+            <a:pPr>
+              <a:buNone/>
+            </a:pPr>
             <a:r>
               <a:rPr lang="fr-CH" sz="4000" dirty="0" smtClean="0"/>
-              <a:t>permet de transformer des coordonnées entre la France et la Suisse</a:t>
-            </a:r>
-            <a:r>
-              <a:rPr lang="fr-CH" sz="4000" dirty="0" smtClean="0"/>
-              <a:t>.</a:t>
-            </a:r>
-          </a:p>
-          <a:p>
-            <a:pPr>
-              <a:buNone/>
-            </a:pPr>
-            <a:r>
-              <a:rPr lang="fr-CH" sz="4000" dirty="0" smtClean="0"/>
-              <a:t>Ce projet a été établi en commun entre la ENSG à Paris et la HEIG-VD à Yverdon</a:t>
-            </a:r>
-            <a:r>
-              <a:rPr lang="fr-CH" sz="4000" dirty="0" smtClean="0"/>
-              <a:t>  </a:t>
-            </a:r>
-            <a:endParaRPr lang="fr-CH" sz="4000" dirty="0" smtClean="0"/>
+              <a:t>Ce projet a été établi en commun entre la ENSG à Paris et la HEIG-VD à Yverdon  </a:t>
+            </a:r>
           </a:p>
         </p:txBody>
       </p:sp>
@@ -4273,19 +4260,7 @@
               <a:rPr lang="fr-CH" sz="3800" dirty="0" smtClean="0">
                 <a:sym typeface="Wingdings" panose="05000000000000000000" pitchFamily="2" charset="2"/>
               </a:rPr>
-              <a:t>Se connecter permet d’enregistrer ses points </a:t>
-            </a:r>
-            <a:r>
-              <a:rPr lang="fr-CH" sz="3800" dirty="0" smtClean="0">
-                <a:sym typeface="Wingdings" panose="05000000000000000000" pitchFamily="2" charset="2"/>
-              </a:rPr>
-              <a:t>et de les récupérer lors d’</a:t>
-            </a:r>
-            <a:r>
-              <a:rPr lang="fr-CH" sz="3800" dirty="0" smtClean="0">
-                <a:sym typeface="Wingdings" panose="05000000000000000000" pitchFamily="2" charset="2"/>
-              </a:rPr>
-              <a:t>une prochaine connexion</a:t>
+              <a:t>Se connecter permet d’enregistrer ses points et de les récupérer lors d’une prochaine connexion</a:t>
             </a:r>
             <a:endParaRPr lang="fr-CH" sz="3800" dirty="0" smtClean="0"/>
           </a:p>
@@ -4351,11 +4326,7 @@
             </a:pPr>
             <a:r>
               <a:rPr lang="fr-CH" sz="4400" dirty="0" smtClean="0"/>
-              <a:t>2. Transformation </a:t>
-            </a:r>
-            <a:r>
-              <a:rPr lang="fr-CH" sz="4400" dirty="0" smtClean="0"/>
-              <a:t>de coordonnées</a:t>
+              <a:t>2. Transformation de coordonnées</a:t>
             </a:r>
             <a:endParaRPr lang="fr-CH" sz="4400" dirty="0"/>
           </a:p>
@@ -4377,7 +4348,7 @@
         </p:blipFill>
         <p:spPr>
           <a:xfrm>
-            <a:off x="2273987" y="22374774"/>
+            <a:off x="2273987" y="23823244"/>
             <a:ext cx="8193003" cy="4164776"/>
           </a:xfrm>
           <a:prstGeom prst="rect">
@@ -4393,7 +4364,7 @@
         </p:nvSpPr>
         <p:spPr>
           <a:xfrm>
-            <a:off x="2273987" y="21213647"/>
+            <a:off x="2273987" y="22662117"/>
             <a:ext cx="9571318" cy="769441"/>
           </a:xfrm>
           <a:prstGeom prst="rect">
@@ -4420,11 +4391,7 @@
             </a:r>
             <a:r>
               <a:rPr lang="fr-CH" sz="4400" dirty="0" smtClean="0"/>
-              <a:t> </a:t>
-            </a:r>
-            <a:r>
-              <a:rPr lang="fr-CH" sz="4400" dirty="0" smtClean="0"/>
-              <a:t>des coordonnées du points</a:t>
+              <a:t> des coordonnées du points</a:t>
             </a:r>
             <a:endParaRPr lang="fr-CH" sz="4400" dirty="0"/>
           </a:p>
@@ -4438,8 +4405,8 @@
         </p:nvSpPr>
         <p:spPr>
           <a:xfrm>
-            <a:off x="9638660" y="16782646"/>
-            <a:ext cx="10251286" cy="1261884"/>
+            <a:off x="11903019" y="16602795"/>
+            <a:ext cx="7006991" cy="1846659"/>
           </a:xfrm>
           <a:prstGeom prst="rect">
             <a:avLst/>
@@ -4459,7 +4426,6 @@
               <a:rPr lang="fr-CH" sz="3800" dirty="0" smtClean="0"/>
               <a:t>Les transformations planimétriques disponibles sont décrites dans le schéma ci-joint</a:t>
             </a:r>
-            <a:endParaRPr lang="fr-CH" sz="3800" dirty="0" smtClean="0"/>
           </a:p>
         </p:txBody>
       </p:sp>
@@ -4508,7 +4474,7 @@
         </p:blipFill>
         <p:spPr>
           <a:xfrm>
-            <a:off x="12322678" y="12882405"/>
+            <a:off x="11734771" y="12271200"/>
             <a:ext cx="6836932" cy="3412740"/>
           </a:xfrm>
           <a:prstGeom prst="rect">
@@ -4524,7 +4490,7 @@
           </p:cNvPicPr>
           <p:nvPr/>
         </p:nvPicPr>
-        <p:blipFill>
+        <p:blipFill rotWithShape="1">
           <a:blip r:embed="rId5">
             <a:clrChange>
               <a:clrFrom>
@@ -4542,14 +4508,13 @@
               </a:ext>
             </a:extLst>
           </a:blip>
-          <a:stretch>
-            <a:fillRect/>
-          </a:stretch>
+          <a:srcRect b="19927"/>
+          <a:stretch/>
         </p:blipFill>
         <p:spPr>
           <a:xfrm>
-            <a:off x="2396858" y="15374594"/>
-            <a:ext cx="9818486" cy="3955596"/>
+            <a:off x="2058266" y="15716207"/>
+            <a:ext cx="12262618" cy="3955811"/>
           </a:xfrm>
           <a:prstGeom prst="rect">
             <a:avLst/>
@@ -4564,7 +4529,7 @@
         </p:nvSpPr>
         <p:spPr>
           <a:xfrm>
-            <a:off x="2297388" y="18509073"/>
+            <a:off x="2297388" y="19614913"/>
             <a:ext cx="17592559" cy="2665345"/>
           </a:xfrm>
           <a:prstGeom prst="rect">
@@ -4603,7 +4568,6 @@
               <a:rPr lang="fr-CH" sz="3800" dirty="0" smtClean="0"/>
               <a:t>Nos transformations ont été validées avec des points de référence (&lt;1mm)</a:t>
             </a:r>
-            <a:endParaRPr lang="fr-CH" sz="3800" dirty="0" smtClean="0"/>
           </a:p>
         </p:txBody>
       </p:sp>
@@ -4615,7 +4579,7 @@
         </p:nvSpPr>
         <p:spPr>
           <a:xfrm>
-            <a:off x="3204345" y="13789422"/>
+            <a:off x="2340249" y="13789422"/>
             <a:ext cx="7341950" cy="1261884"/>
           </a:xfrm>
           <a:prstGeom prst="rect">
@@ -4636,7 +4600,6 @@
               <a:rPr lang="fr-CH" sz="3800" dirty="0" smtClean="0"/>
               <a:t>Transformations par points ou via un fichier texte</a:t>
             </a:r>
-            <a:endParaRPr lang="fr-CH" sz="3800" dirty="0" smtClean="0"/>
           </a:p>
         </p:txBody>
       </p:sp>
@@ -4648,7 +4611,7 @@
         </p:nvSpPr>
         <p:spPr>
           <a:xfrm>
-            <a:off x="10466991" y="22420535"/>
+            <a:off x="10466991" y="23869005"/>
             <a:ext cx="9945208" cy="3600986"/>
           </a:xfrm>
           <a:prstGeom prst="rect">
@@ -5965,15 +5928,15 @@
 <file path=customXml/itemProps1.xml><?xml version="1.0" encoding="utf-8"?>
 <ds:datastoreItem xmlns:ds="http://schemas.openxmlformats.org/officeDocument/2006/customXml" ds:itemID="{0E367240-BE19-45E0-9C77-61269D87C3FE}">
   <ds:schemaRefs>
+    <ds:schemaRef ds:uri="http://schemas.openxmlformats.org/package/2006/metadata/core-properties"/>
+    <ds:schemaRef ds:uri="http://purl.org/dc/dcmitype/"/>
+    <ds:schemaRef ds:uri="http://schemas.microsoft.com/office/infopath/2007/PartnerControls"/>
+    <ds:schemaRef ds:uri="4b181ce3-7ba5-4b6e-978d-55077aa6f33a"/>
+    <ds:schemaRef ds:uri="http://purl.org/dc/elements/1.1/"/>
+    <ds:schemaRef ds:uri="http://schemas.microsoft.com/office/2006/metadata/properties"/>
+    <ds:schemaRef ds:uri="http://schemas.microsoft.com/office/2006/documentManagement/types"/>
+    <ds:schemaRef ds:uri="http://purl.org/dc/terms/"/>
     <ds:schemaRef ds:uri="http://www.w3.org/XML/1998/namespace"/>
-    <ds:schemaRef ds:uri="http://purl.org/dc/elements/1.1/"/>
-    <ds:schemaRef ds:uri="http://schemas.openxmlformats.org/package/2006/metadata/core-properties"/>
-    <ds:schemaRef ds:uri="http://schemas.microsoft.com/office/2006/documentManagement/types"/>
-    <ds:schemaRef ds:uri="http://schemas.microsoft.com/office/infopath/2007/PartnerControls"/>
-    <ds:schemaRef ds:uri="http://schemas.microsoft.com/office/2006/metadata/properties"/>
-    <ds:schemaRef ds:uri="http://purl.org/dc/terms/"/>
-    <ds:schemaRef ds:uri="4b181ce3-7ba5-4b6e-978d-55077aa6f33a"/>
-    <ds:schemaRef ds:uri="http://purl.org/dc/dcmitype/"/>
   </ds:schemaRefs>
 </ds:datastoreItem>
 </file>

--- a/docs/Poster_DellaCasa_Bobillier.pptx
+++ b/docs/Poster_DellaCasa_Bobillier.pptx
@@ -4249,7 +4249,15 @@
             </a:pPr>
             <a:r>
               <a:rPr lang="fr-CH" sz="3800" dirty="0" smtClean="0"/>
-              <a:t>Nous avons configurer notre site pour permettre à l’utilisateur de s’inscrire/se connecter ou continuer sans connexion</a:t>
+              <a:t>Nous avons </a:t>
+            </a:r>
+            <a:r>
+              <a:rPr lang="fr-CH" sz="3800" dirty="0" smtClean="0"/>
+              <a:t>configuré </a:t>
+            </a:r>
+            <a:r>
+              <a:rPr lang="fr-CH" sz="3800" dirty="0" smtClean="0"/>
+              <a:t>notre site pour permettre à l’utilisateur de s’inscrire/se connecter ou continuer sans connexion</a:t>
             </a:r>
           </a:p>
           <a:p>
@@ -4630,7 +4638,23 @@
             </a:pPr>
             <a:r>
               <a:rPr lang="fr-CH" sz="3800" dirty="0" smtClean="0"/>
-              <a:t>L’utilisateur a la possibilité d’ajouter ses points à la carte. Il peut ainsi choisir ses systèmes de coordonnées. Les différents coordonnées d’un point sont alors affichée dans une </a:t>
+              <a:t>L’utilisateur a la possibilité d’ajouter ses points à la carte. Il peut ainsi choisir ses systèmes de coordonnées. Les </a:t>
+            </a:r>
+            <a:r>
+              <a:rPr lang="fr-CH" sz="3800" dirty="0" smtClean="0"/>
+              <a:t>différentes </a:t>
+            </a:r>
+            <a:r>
+              <a:rPr lang="fr-CH" sz="3800" dirty="0" smtClean="0"/>
+              <a:t>coordonnées d’un point sont alors </a:t>
+            </a:r>
+            <a:r>
+              <a:rPr lang="fr-CH" sz="3800" dirty="0" smtClean="0"/>
+              <a:t>affichées </a:t>
+            </a:r>
+            <a:r>
+              <a:rPr lang="fr-CH" sz="3800" dirty="0" smtClean="0"/>
+              <a:t>dans une </a:t>
             </a:r>
             <a:r>
               <a:rPr lang="fr-CH" sz="3800" dirty="0" err="1" smtClean="0"/>
@@ -4638,7 +4662,15 @@
             </a:r>
             <a:r>
               <a:rPr lang="fr-CH" sz="3800" dirty="0" smtClean="0"/>
-              <a:t> que l’utilisateur fait apparaître un cliquant sur le point</a:t>
+              <a:t> que l’utilisateur fait apparaître </a:t>
+            </a:r>
+            <a:r>
+              <a:rPr lang="fr-CH" sz="3800" dirty="0" smtClean="0"/>
+              <a:t>en </a:t>
+            </a:r>
+            <a:r>
+              <a:rPr lang="fr-CH" sz="3800" dirty="0" smtClean="0"/>
+              <a:t>cliquant sur le point</a:t>
             </a:r>
           </a:p>
         </p:txBody>
@@ -5765,7 +5797,12 @@
 </file>
 
 <file path=customXml/item2.xml><?xml version="1.0" encoding="utf-8"?>
-<LongProperties xmlns="http://schemas.microsoft.com/office/2006/metadata/longProperties"/>
+<?mso-contentType ?>
+<FormTemplates xmlns="http://schemas.microsoft.com/sharepoint/v3/contenttype/forms">
+  <Display>DocumentLibraryForm</Display>
+  <Edit>DocumentLibraryForm</Edit>
+  <New>DocumentLibraryForm</New>
+</FormTemplates>
 </file>
 
 <file path=customXml/item3.xml><?xml version="1.0" encoding="utf-8"?>
@@ -5917,12 +5954,7 @@
 </file>
 
 <file path=customXml/item4.xml><?xml version="1.0" encoding="utf-8"?>
-<?mso-contentType ?>
-<FormTemplates xmlns="http://schemas.microsoft.com/sharepoint/v3/contenttype/forms">
-  <Display>DocumentLibraryForm</Display>
-  <Edit>DocumentLibraryForm</Edit>
-  <New>DocumentLibraryForm</New>
-</FormTemplates>
+<LongProperties xmlns="http://schemas.microsoft.com/office/2006/metadata/longProperties"/>
 </file>
 
 <file path=customXml/itemProps1.xml><?xml version="1.0" encoding="utf-8"?>
@@ -5942,9 +5974,9 @@
 </file>
 
 <file path=customXml/itemProps2.xml><?xml version="1.0" encoding="utf-8"?>
-<ds:datastoreItem xmlns:ds="http://schemas.openxmlformats.org/officeDocument/2006/customXml" ds:itemID="{B191A9DB-3E3D-4FDF-9752-B789292A635F}">
+<ds:datastoreItem xmlns:ds="http://schemas.openxmlformats.org/officeDocument/2006/customXml" ds:itemID="{F2491F65-AE5A-4947-ACB1-E77E8CEFDC0B}">
   <ds:schemaRefs>
-    <ds:schemaRef ds:uri="http://schemas.microsoft.com/office/2006/metadata/longProperties"/>
+    <ds:schemaRef ds:uri="http://schemas.microsoft.com/sharepoint/v3/contenttype/forms"/>
   </ds:schemaRefs>
 </ds:datastoreItem>
 </file>
@@ -5968,9 +6000,9 @@
 </file>
 
 <file path=customXml/itemProps4.xml><?xml version="1.0" encoding="utf-8"?>
-<ds:datastoreItem xmlns:ds="http://schemas.openxmlformats.org/officeDocument/2006/customXml" ds:itemID="{F2491F65-AE5A-4947-ACB1-E77E8CEFDC0B}">
+<ds:datastoreItem xmlns:ds="http://schemas.openxmlformats.org/officeDocument/2006/customXml" ds:itemID="{B191A9DB-3E3D-4FDF-9752-B789292A635F}">
   <ds:schemaRefs>
-    <ds:schemaRef ds:uri="http://schemas.microsoft.com/sharepoint/v3/contenttype/forms"/>
+    <ds:schemaRef ds:uri="http://schemas.microsoft.com/office/2006/metadata/longProperties"/>
   </ds:schemaRefs>
 </ds:datastoreItem>
 </file>
--- a/docs/Poster_DellaCasa_Bobillier.pptx
+++ b/docs/Poster_DellaCasa_Bobillier.pptx
@@ -4249,15 +4249,7 @@
             </a:pPr>
             <a:r>
               <a:rPr lang="fr-CH" sz="3800" dirty="0" smtClean="0"/>
-              <a:t>Nous avons </a:t>
-            </a:r>
-            <a:r>
-              <a:rPr lang="fr-CH" sz="3800" dirty="0" smtClean="0"/>
-              <a:t>configuré </a:t>
-            </a:r>
-            <a:r>
-              <a:rPr lang="fr-CH" sz="3800" dirty="0" smtClean="0"/>
-              <a:t>notre site pour permettre à l’utilisateur de s’inscrire/se connecter ou continuer sans connexion</a:t>
+              <a:t>Nous avons configuré notre site pour permettre à l’utilisateur de s’inscrire/se connecter ou continuer sans connexion</a:t>
             </a:r>
           </a:p>
           <a:p>
@@ -4340,30 +4332,6 @@
           </a:p>
         </p:txBody>
       </p:sp>
-      <p:pic>
-        <p:nvPicPr>
-          <p:cNvPr id="23" name="Image 22"/>
-          <p:cNvPicPr>
-            <a:picLocks noChangeAspect="1"/>
-          </p:cNvPicPr>
-          <p:nvPr/>
-        </p:nvPicPr>
-        <p:blipFill>
-          <a:blip r:embed="rId3"/>
-          <a:stretch>
-            <a:fillRect/>
-          </a:stretch>
-        </p:blipFill>
-        <p:spPr>
-          <a:xfrm>
-            <a:off x="2273987" y="23823244"/>
-            <a:ext cx="8193003" cy="4164776"/>
-          </a:xfrm>
-          <a:prstGeom prst="rect">
-            <a:avLst/>
-          </a:prstGeom>
-        </p:spPr>
-      </p:pic>
       <p:sp>
         <p:nvSpPr>
           <p:cNvPr id="26" name="ZoneTexte 25"/>
@@ -4468,30 +4436,6 @@
       </p:sp>
       <p:pic>
         <p:nvPicPr>
-          <p:cNvPr id="2" name="Image 1"/>
-          <p:cNvPicPr>
-            <a:picLocks noChangeAspect="1"/>
-          </p:cNvPicPr>
-          <p:nvPr/>
-        </p:nvPicPr>
-        <p:blipFill>
-          <a:blip r:embed="rId4"/>
-          <a:stretch>
-            <a:fillRect/>
-          </a:stretch>
-        </p:blipFill>
-        <p:spPr>
-          <a:xfrm>
-            <a:off x="11734771" y="12271200"/>
-            <a:ext cx="6836932" cy="3412740"/>
-          </a:xfrm>
-          <a:prstGeom prst="rect">
-            <a:avLst/>
-          </a:prstGeom>
-        </p:spPr>
-      </p:pic>
-      <p:pic>
-        <p:nvPicPr>
           <p:cNvPr id="5" name="Image 4"/>
           <p:cNvPicPr>
             <a:picLocks noChangeAspect="1"/>
@@ -4499,7 +4443,7 @@
           <p:nvPr/>
         </p:nvPicPr>
         <p:blipFill rotWithShape="1">
-          <a:blip r:embed="rId5">
+          <a:blip r:embed="rId3">
             <a:clrChange>
               <a:clrFrom>
                 <a:srgbClr val="FFFFFF"/>
@@ -4638,23 +4582,7 @@
             </a:pPr>
             <a:r>
               <a:rPr lang="fr-CH" sz="3800" dirty="0" smtClean="0"/>
-              <a:t>L’utilisateur a la possibilité d’ajouter ses points à la carte. Il peut ainsi choisir ses systèmes de coordonnées. Les </a:t>
-            </a:r>
-            <a:r>
-              <a:rPr lang="fr-CH" sz="3800" dirty="0" smtClean="0"/>
-              <a:t>différentes </a:t>
-            </a:r>
-            <a:r>
-              <a:rPr lang="fr-CH" sz="3800" dirty="0" smtClean="0"/>
-              <a:t>coordonnées d’un point sont alors </a:t>
-            </a:r>
-            <a:r>
-              <a:rPr lang="fr-CH" sz="3800" dirty="0" smtClean="0"/>
-              <a:t>affichées </a:t>
-            </a:r>
-            <a:r>
-              <a:rPr lang="fr-CH" sz="3800" dirty="0" smtClean="0"/>
-              <a:t>dans une </a:t>
+              <a:t>L’utilisateur a la possibilité d’ajouter ses points à la carte. Il peut ainsi choisir ses systèmes de coordonnées. Les différentes coordonnées d’un point sont alors affichées dans une </a:t>
             </a:r>
             <a:r>
               <a:rPr lang="fr-CH" sz="3800" dirty="0" err="1" smtClean="0"/>
@@ -4662,15 +4590,7 @@
             </a:r>
             <a:r>
               <a:rPr lang="fr-CH" sz="3800" dirty="0" smtClean="0"/>
-              <a:t> que l’utilisateur fait apparaître </a:t>
-            </a:r>
-            <a:r>
-              <a:rPr lang="fr-CH" sz="3800" dirty="0" smtClean="0"/>
-              <a:t>en </a:t>
-            </a:r>
-            <a:r>
-              <a:rPr lang="fr-CH" sz="3800" dirty="0" smtClean="0"/>
-              <a:t>cliquant sur le point</a:t>
+              <a:t> que l’utilisateur fait apparaître en cliquant sur le point</a:t>
             </a:r>
           </a:p>
         </p:txBody>
@@ -4684,7 +4604,7 @@
           <p:nvPr/>
         </p:nvPicPr>
         <p:blipFill rotWithShape="1">
-          <a:blip r:embed="rId6" cstate="print">
+          <a:blip r:embed="rId4" cstate="print">
             <a:extLst>
               <a:ext uri="{28A0092B-C50C-407E-A947-70E740481C1C}">
                 <a14:useLocalDpi xmlns:a14="http://schemas.microsoft.com/office/drawing/2010/main" val="0"/>
@@ -4711,6 +4631,54 @@
               <a14:shadowObscured xmlns:a14="http://schemas.microsoft.com/office/drawing/2010/main"/>
             </a:ext>
           </a:extLst>
+        </p:spPr>
+      </p:pic>
+      <p:pic>
+        <p:nvPicPr>
+          <p:cNvPr id="8" name="Image 7"/>
+          <p:cNvPicPr>
+            <a:picLocks noChangeAspect="1"/>
+          </p:cNvPicPr>
+          <p:nvPr/>
+        </p:nvPicPr>
+        <p:blipFill>
+          <a:blip r:embed="rId5"/>
+          <a:stretch>
+            <a:fillRect/>
+          </a:stretch>
+        </p:blipFill>
+        <p:spPr>
+          <a:xfrm>
+            <a:off x="2363880" y="23744124"/>
+            <a:ext cx="7976413" cy="4074512"/>
+          </a:xfrm>
+          <a:prstGeom prst="rect">
+            <a:avLst/>
+          </a:prstGeom>
+        </p:spPr>
+      </p:pic>
+      <p:pic>
+        <p:nvPicPr>
+          <p:cNvPr id="11" name="Image 10"/>
+          <p:cNvPicPr>
+            <a:picLocks noChangeAspect="1"/>
+          </p:cNvPicPr>
+          <p:nvPr/>
+        </p:nvPicPr>
+        <p:blipFill>
+          <a:blip r:embed="rId6"/>
+          <a:stretch>
+            <a:fillRect/>
+          </a:stretch>
+        </p:blipFill>
+        <p:spPr>
+          <a:xfrm>
+            <a:off x="12616578" y="12333107"/>
+            <a:ext cx="5579872" cy="3443393"/>
+          </a:xfrm>
+          <a:prstGeom prst="rect">
+            <a:avLst/>
+          </a:prstGeom>
         </p:spPr>
       </p:pic>
     </p:spTree>
@@ -5797,12 +5765,7 @@
 </file>
 
 <file path=customXml/item2.xml><?xml version="1.0" encoding="utf-8"?>
-<?mso-contentType ?>
-<FormTemplates xmlns="http://schemas.microsoft.com/sharepoint/v3/contenttype/forms">
-  <Display>DocumentLibraryForm</Display>
-  <Edit>DocumentLibraryForm</Edit>
-  <New>DocumentLibraryForm</New>
-</FormTemplates>
+<LongProperties xmlns="http://schemas.microsoft.com/office/2006/metadata/longProperties"/>
 </file>
 
 <file path=customXml/item3.xml><?xml version="1.0" encoding="utf-8"?>
@@ -5954,7 +5917,12 @@
 </file>
 
 <file path=customXml/item4.xml><?xml version="1.0" encoding="utf-8"?>
-<LongProperties xmlns="http://schemas.microsoft.com/office/2006/metadata/longProperties"/>
+<?mso-contentType ?>
+<FormTemplates xmlns="http://schemas.microsoft.com/sharepoint/v3/contenttype/forms">
+  <Display>DocumentLibraryForm</Display>
+  <Edit>DocumentLibraryForm</Edit>
+  <New>DocumentLibraryForm</New>
+</FormTemplates>
 </file>
 
 <file path=customXml/itemProps1.xml><?xml version="1.0" encoding="utf-8"?>
@@ -5974,9 +5942,9 @@
 </file>
 
 <file path=customXml/itemProps2.xml><?xml version="1.0" encoding="utf-8"?>
-<ds:datastoreItem xmlns:ds="http://schemas.openxmlformats.org/officeDocument/2006/customXml" ds:itemID="{F2491F65-AE5A-4947-ACB1-E77E8CEFDC0B}">
+<ds:datastoreItem xmlns:ds="http://schemas.openxmlformats.org/officeDocument/2006/customXml" ds:itemID="{B191A9DB-3E3D-4FDF-9752-B789292A635F}">
   <ds:schemaRefs>
-    <ds:schemaRef ds:uri="http://schemas.microsoft.com/sharepoint/v3/contenttype/forms"/>
+    <ds:schemaRef ds:uri="http://schemas.microsoft.com/office/2006/metadata/longProperties"/>
   </ds:schemaRefs>
 </ds:datastoreItem>
 </file>
@@ -6000,9 +5968,9 @@
 </file>
 
 <file path=customXml/itemProps4.xml><?xml version="1.0" encoding="utf-8"?>
-<ds:datastoreItem xmlns:ds="http://schemas.openxmlformats.org/officeDocument/2006/customXml" ds:itemID="{B191A9DB-3E3D-4FDF-9752-B789292A635F}">
+<ds:datastoreItem xmlns:ds="http://schemas.openxmlformats.org/officeDocument/2006/customXml" ds:itemID="{F2491F65-AE5A-4947-ACB1-E77E8CEFDC0B}">
   <ds:schemaRefs>
-    <ds:schemaRef ds:uri="http://schemas.microsoft.com/office/2006/metadata/longProperties"/>
+    <ds:schemaRef ds:uri="http://schemas.microsoft.com/sharepoint/v3/contenttype/forms"/>
   </ds:schemaRefs>
 </ds:datastoreItem>
 </file>
--- a/docs/Poster_DellaCasa_Bobillier.pptx
+++ b/docs/Poster_DellaCasa_Bobillier.pptx
@@ -821,35 +821,35 @@
           <a:p>
             <a:pPr lvl="0"/>
             <a:r>
-              <a:rPr lang="fr-FR" altLang="fr-FR" smtClean="0"/>
+              <a:rPr lang="fr-FR" altLang="fr-FR"/>
               <a:t>Cliquez pour modifier les styles du texte du masque</a:t>
             </a:r>
           </a:p>
           <a:p>
             <a:pPr lvl="1"/>
             <a:r>
-              <a:rPr lang="fr-FR" altLang="fr-FR" smtClean="0"/>
+              <a:rPr lang="fr-FR" altLang="fr-FR"/>
               <a:t>Deuxième niveau</a:t>
             </a:r>
           </a:p>
           <a:p>
             <a:pPr lvl="2"/>
             <a:r>
-              <a:rPr lang="fr-FR" altLang="fr-FR" smtClean="0"/>
+              <a:rPr lang="fr-FR" altLang="fr-FR"/>
               <a:t>Troisième niveau</a:t>
             </a:r>
           </a:p>
           <a:p>
             <a:pPr lvl="3"/>
             <a:r>
-              <a:rPr lang="fr-FR" altLang="fr-FR" smtClean="0"/>
+              <a:rPr lang="fr-FR" altLang="fr-FR"/>
               <a:t>Quatrième niveau</a:t>
             </a:r>
           </a:p>
           <a:p>
             <a:pPr lvl="4"/>
             <a:r>
-              <a:rPr lang="fr-FR" altLang="fr-FR" smtClean="0"/>
+              <a:rPr lang="fr-FR" altLang="fr-FR"/>
               <a:t>Cinquième niveau</a:t>
             </a:r>
           </a:p>
@@ -1274,7 +1274,7 @@
           </a:lstStyle>
           <a:p>
             <a:r>
-              <a:rPr lang="fr-FR" smtClean="0"/>
+              <a:rPr lang="fr-FR"/>
               <a:t>Modifiez le style du titre</a:t>
             </a:r>
             <a:endParaRPr lang="fr-CH"/>
@@ -1339,7 +1339,7 @@
           </a:lstStyle>
           <a:p>
             <a:r>
-              <a:rPr lang="fr-FR" smtClean="0"/>
+              <a:rPr lang="fr-FR"/>
               <a:t>Modifiez le style des sous-titres du masque</a:t>
             </a:r>
             <a:endParaRPr lang="fr-CH"/>
@@ -1392,7 +1392,7 @@
           <a:lstStyle/>
           <a:p>
             <a:r>
-              <a:rPr lang="fr-FR" smtClean="0"/>
+              <a:rPr lang="fr-FR"/>
               <a:t>Modifiez le style du titre</a:t>
             </a:r>
             <a:endParaRPr lang="fr-CH"/>
@@ -1416,35 +1416,35 @@
           <a:p>
             <a:pPr lvl="0"/>
             <a:r>
-              <a:rPr lang="fr-FR" smtClean="0"/>
+              <a:rPr lang="fr-FR"/>
               <a:t>Modifiez les styles du texte du masque</a:t>
             </a:r>
           </a:p>
           <a:p>
             <a:pPr lvl="1"/>
             <a:r>
-              <a:rPr lang="fr-FR" smtClean="0"/>
+              <a:rPr lang="fr-FR"/>
               <a:t>Deuxième niveau</a:t>
             </a:r>
           </a:p>
           <a:p>
             <a:pPr lvl="2"/>
             <a:r>
-              <a:rPr lang="fr-FR" smtClean="0"/>
+              <a:rPr lang="fr-FR"/>
               <a:t>Troisième niveau</a:t>
             </a:r>
           </a:p>
           <a:p>
             <a:pPr lvl="3"/>
             <a:r>
-              <a:rPr lang="fr-FR" smtClean="0"/>
+              <a:rPr lang="fr-FR"/>
               <a:t>Quatrième niveau</a:t>
             </a:r>
           </a:p>
           <a:p>
             <a:pPr lvl="4"/>
             <a:r>
-              <a:rPr lang="fr-FR" smtClean="0"/>
+              <a:rPr lang="fr-FR"/>
               <a:t>Cinquième niveau</a:t>
             </a:r>
             <a:endParaRPr lang="fr-CH"/>
@@ -1502,7 +1502,7 @@
           <a:lstStyle/>
           <a:p>
             <a:r>
-              <a:rPr lang="fr-FR" smtClean="0"/>
+              <a:rPr lang="fr-FR"/>
               <a:t>Modifiez le style du titre</a:t>
             </a:r>
             <a:endParaRPr lang="fr-CH"/>
@@ -1531,35 +1531,35 @@
           <a:p>
             <a:pPr lvl="0"/>
             <a:r>
-              <a:rPr lang="fr-FR" smtClean="0"/>
+              <a:rPr lang="fr-FR"/>
               <a:t>Modifiez les styles du texte du masque</a:t>
             </a:r>
           </a:p>
           <a:p>
             <a:pPr lvl="1"/>
             <a:r>
-              <a:rPr lang="fr-FR" smtClean="0"/>
+              <a:rPr lang="fr-FR"/>
               <a:t>Deuxième niveau</a:t>
             </a:r>
           </a:p>
           <a:p>
             <a:pPr lvl="2"/>
             <a:r>
-              <a:rPr lang="fr-FR" smtClean="0"/>
+              <a:rPr lang="fr-FR"/>
               <a:t>Troisième niveau</a:t>
             </a:r>
           </a:p>
           <a:p>
             <a:pPr lvl="3"/>
             <a:r>
-              <a:rPr lang="fr-FR" smtClean="0"/>
+              <a:rPr lang="fr-FR"/>
               <a:t>Quatrième niveau</a:t>
             </a:r>
           </a:p>
           <a:p>
             <a:pPr lvl="4"/>
             <a:r>
-              <a:rPr lang="fr-FR" smtClean="0"/>
+              <a:rPr lang="fr-FR"/>
               <a:t>Cinquième niveau</a:t>
             </a:r>
             <a:endParaRPr lang="fr-CH"/>
@@ -1612,7 +1612,7 @@
           <a:lstStyle/>
           <a:p>
             <a:r>
-              <a:rPr lang="fr-FR" smtClean="0"/>
+              <a:rPr lang="fr-FR"/>
               <a:t>Modifiez le style du titre</a:t>
             </a:r>
             <a:endParaRPr lang="fr-CH"/>
@@ -1636,35 +1636,35 @@
           <a:p>
             <a:pPr lvl="0"/>
             <a:r>
-              <a:rPr lang="fr-FR" smtClean="0"/>
+              <a:rPr lang="fr-FR"/>
               <a:t>Modifiez les styles du texte du masque</a:t>
             </a:r>
           </a:p>
           <a:p>
             <a:pPr lvl="1"/>
             <a:r>
-              <a:rPr lang="fr-FR" smtClean="0"/>
+              <a:rPr lang="fr-FR"/>
               <a:t>Deuxième niveau</a:t>
             </a:r>
           </a:p>
           <a:p>
             <a:pPr lvl="2"/>
             <a:r>
-              <a:rPr lang="fr-FR" smtClean="0"/>
+              <a:rPr lang="fr-FR"/>
               <a:t>Troisième niveau</a:t>
             </a:r>
           </a:p>
           <a:p>
             <a:pPr lvl="3"/>
             <a:r>
-              <a:rPr lang="fr-FR" smtClean="0"/>
+              <a:rPr lang="fr-FR"/>
               <a:t>Quatrième niveau</a:t>
             </a:r>
           </a:p>
           <a:p>
             <a:pPr lvl="4"/>
             <a:r>
-              <a:rPr lang="fr-FR" smtClean="0"/>
+              <a:rPr lang="fr-FR"/>
               <a:t>Cinquième niveau</a:t>
             </a:r>
             <a:endParaRPr lang="fr-CH"/>
@@ -1726,7 +1726,7 @@
           </a:lstStyle>
           <a:p>
             <a:r>
-              <a:rPr lang="fr-FR" smtClean="0"/>
+              <a:rPr lang="fr-FR"/>
               <a:t>Modifiez le style du titre</a:t>
             </a:r>
             <a:endParaRPr lang="fr-CH"/>
@@ -1792,7 +1792,7 @@
           <a:p>
             <a:pPr lvl="0"/>
             <a:r>
-              <a:rPr lang="fr-FR" smtClean="0"/>
+              <a:rPr lang="fr-FR"/>
               <a:t>Modifiez les styles du texte du masque</a:t>
             </a:r>
           </a:p>
@@ -1844,7 +1844,7 @@
           <a:lstStyle/>
           <a:p>
             <a:r>
-              <a:rPr lang="fr-FR" smtClean="0"/>
+              <a:rPr lang="fr-FR"/>
               <a:t>Modifiez le style du titre</a:t>
             </a:r>
             <a:endParaRPr lang="fr-CH"/>
@@ -1873,35 +1873,35 @@
           <a:p>
             <a:pPr lvl="0"/>
             <a:r>
-              <a:rPr lang="fr-FR" smtClean="0"/>
+              <a:rPr lang="fr-FR"/>
               <a:t>Modifiez les styles du texte du masque</a:t>
             </a:r>
           </a:p>
           <a:p>
             <a:pPr lvl="1"/>
             <a:r>
-              <a:rPr lang="fr-FR" smtClean="0"/>
+              <a:rPr lang="fr-FR"/>
               <a:t>Deuxième niveau</a:t>
             </a:r>
           </a:p>
           <a:p>
             <a:pPr lvl="2"/>
             <a:r>
-              <a:rPr lang="fr-FR" smtClean="0"/>
+              <a:rPr lang="fr-FR"/>
               <a:t>Troisième niveau</a:t>
             </a:r>
           </a:p>
           <a:p>
             <a:pPr lvl="3"/>
             <a:r>
-              <a:rPr lang="fr-FR" smtClean="0"/>
+              <a:rPr lang="fr-FR"/>
               <a:t>Quatrième niveau</a:t>
             </a:r>
           </a:p>
           <a:p>
             <a:pPr lvl="4"/>
             <a:r>
-              <a:rPr lang="fr-FR" smtClean="0"/>
+              <a:rPr lang="fr-FR"/>
               <a:t>Cinquième niveau</a:t>
             </a:r>
             <a:endParaRPr lang="fr-CH"/>
@@ -1930,35 +1930,35 @@
           <a:p>
             <a:pPr lvl="0"/>
             <a:r>
-              <a:rPr lang="fr-FR" smtClean="0"/>
+              <a:rPr lang="fr-FR"/>
               <a:t>Modifiez les styles du texte du masque</a:t>
             </a:r>
           </a:p>
           <a:p>
             <a:pPr lvl="1"/>
             <a:r>
-              <a:rPr lang="fr-FR" smtClean="0"/>
+              <a:rPr lang="fr-FR"/>
               <a:t>Deuxième niveau</a:t>
             </a:r>
           </a:p>
           <a:p>
             <a:pPr lvl="2"/>
             <a:r>
-              <a:rPr lang="fr-FR" smtClean="0"/>
+              <a:rPr lang="fr-FR"/>
               <a:t>Troisième niveau</a:t>
             </a:r>
           </a:p>
           <a:p>
             <a:pPr lvl="3"/>
             <a:r>
-              <a:rPr lang="fr-FR" smtClean="0"/>
+              <a:rPr lang="fr-FR"/>
               <a:t>Quatrième niveau</a:t>
             </a:r>
           </a:p>
           <a:p>
             <a:pPr lvl="4"/>
             <a:r>
-              <a:rPr lang="fr-FR" smtClean="0"/>
+              <a:rPr lang="fr-FR"/>
               <a:t>Cinquième niveau</a:t>
             </a:r>
             <a:endParaRPr lang="fr-CH"/>
@@ -2016,7 +2016,7 @@
           <a:lstStyle/>
           <a:p>
             <a:r>
-              <a:rPr lang="fr-FR" smtClean="0"/>
+              <a:rPr lang="fr-FR"/>
               <a:t>Modifiez le style du titre</a:t>
             </a:r>
             <a:endParaRPr lang="fr-CH"/>
@@ -2082,7 +2082,7 @@
           <a:p>
             <a:pPr lvl="0"/>
             <a:r>
-              <a:rPr lang="fr-FR" smtClean="0"/>
+              <a:rPr lang="fr-FR"/>
               <a:t>Modifiez les styles du texte du masque</a:t>
             </a:r>
           </a:p>
@@ -2110,35 +2110,35 @@
           <a:p>
             <a:pPr lvl="0"/>
             <a:r>
-              <a:rPr lang="fr-FR" smtClean="0"/>
+              <a:rPr lang="fr-FR"/>
               <a:t>Modifiez les styles du texte du masque</a:t>
             </a:r>
           </a:p>
           <a:p>
             <a:pPr lvl="1"/>
             <a:r>
-              <a:rPr lang="fr-FR" smtClean="0"/>
+              <a:rPr lang="fr-FR"/>
               <a:t>Deuxième niveau</a:t>
             </a:r>
           </a:p>
           <a:p>
             <a:pPr lvl="2"/>
             <a:r>
-              <a:rPr lang="fr-FR" smtClean="0"/>
+              <a:rPr lang="fr-FR"/>
               <a:t>Troisième niveau</a:t>
             </a:r>
           </a:p>
           <a:p>
             <a:pPr lvl="3"/>
             <a:r>
-              <a:rPr lang="fr-FR" smtClean="0"/>
+              <a:rPr lang="fr-FR"/>
               <a:t>Quatrième niveau</a:t>
             </a:r>
           </a:p>
           <a:p>
             <a:pPr lvl="4"/>
             <a:r>
-              <a:rPr lang="fr-FR" smtClean="0"/>
+              <a:rPr lang="fr-FR"/>
               <a:t>Cinquième niveau</a:t>
             </a:r>
             <a:endParaRPr lang="fr-CH"/>
@@ -2204,7 +2204,7 @@
           <a:p>
             <a:pPr lvl="0"/>
             <a:r>
-              <a:rPr lang="fr-FR" smtClean="0"/>
+              <a:rPr lang="fr-FR"/>
               <a:t>Modifiez les styles du texte du masque</a:t>
             </a:r>
           </a:p>
@@ -2232,35 +2232,35 @@
           <a:p>
             <a:pPr lvl="0"/>
             <a:r>
-              <a:rPr lang="fr-FR" smtClean="0"/>
+              <a:rPr lang="fr-FR"/>
               <a:t>Modifiez les styles du texte du masque</a:t>
             </a:r>
           </a:p>
           <a:p>
             <a:pPr lvl="1"/>
             <a:r>
-              <a:rPr lang="fr-FR" smtClean="0"/>
+              <a:rPr lang="fr-FR"/>
               <a:t>Deuxième niveau</a:t>
             </a:r>
           </a:p>
           <a:p>
             <a:pPr lvl="2"/>
             <a:r>
-              <a:rPr lang="fr-FR" smtClean="0"/>
+              <a:rPr lang="fr-FR"/>
               <a:t>Troisième niveau</a:t>
             </a:r>
           </a:p>
           <a:p>
             <a:pPr lvl="3"/>
             <a:r>
-              <a:rPr lang="fr-FR" smtClean="0"/>
+              <a:rPr lang="fr-FR"/>
               <a:t>Quatrième niveau</a:t>
             </a:r>
           </a:p>
           <a:p>
             <a:pPr lvl="4"/>
             <a:r>
-              <a:rPr lang="fr-FR" smtClean="0"/>
+              <a:rPr lang="fr-FR"/>
               <a:t>Cinquième niveau</a:t>
             </a:r>
             <a:endParaRPr lang="fr-CH"/>
@@ -2313,7 +2313,7 @@
           <a:lstStyle/>
           <a:p>
             <a:r>
-              <a:rPr lang="fr-FR" smtClean="0"/>
+              <a:rPr lang="fr-FR"/>
               <a:t>Modifiez le style du titre</a:t>
             </a:r>
             <a:endParaRPr lang="fr-CH"/>
@@ -2405,7 +2405,7 @@
           </a:lstStyle>
           <a:p>
             <a:r>
-              <a:rPr lang="fr-FR" smtClean="0"/>
+              <a:rPr lang="fr-FR"/>
               <a:t>Modifiez le style du titre</a:t>
             </a:r>
             <a:endParaRPr lang="fr-CH"/>
@@ -2462,35 +2462,35 @@
           <a:p>
             <a:pPr lvl="0"/>
             <a:r>
-              <a:rPr lang="fr-FR" smtClean="0"/>
+              <a:rPr lang="fr-FR"/>
               <a:t>Modifiez les styles du texte du masque</a:t>
             </a:r>
           </a:p>
           <a:p>
             <a:pPr lvl="1"/>
             <a:r>
-              <a:rPr lang="fr-FR" smtClean="0"/>
+              <a:rPr lang="fr-FR"/>
               <a:t>Deuxième niveau</a:t>
             </a:r>
           </a:p>
           <a:p>
             <a:pPr lvl="2"/>
             <a:r>
-              <a:rPr lang="fr-FR" smtClean="0"/>
+              <a:rPr lang="fr-FR"/>
               <a:t>Troisième niveau</a:t>
             </a:r>
           </a:p>
           <a:p>
             <a:pPr lvl="3"/>
             <a:r>
-              <a:rPr lang="fr-FR" smtClean="0"/>
+              <a:rPr lang="fr-FR"/>
               <a:t>Quatrième niveau</a:t>
             </a:r>
           </a:p>
           <a:p>
             <a:pPr lvl="4"/>
             <a:r>
-              <a:rPr lang="fr-FR" smtClean="0"/>
+              <a:rPr lang="fr-FR"/>
               <a:t>Cinquième niveau</a:t>
             </a:r>
             <a:endParaRPr lang="fr-CH"/>
@@ -2556,7 +2556,7 @@
           <a:p>
             <a:pPr lvl="0"/>
             <a:r>
-              <a:rPr lang="fr-FR" smtClean="0"/>
+              <a:rPr lang="fr-FR"/>
               <a:t>Modifiez les styles du texte du masque</a:t>
             </a:r>
           </a:p>
@@ -2617,7 +2617,7 @@
           </a:lstStyle>
           <a:p>
             <a:r>
-              <a:rPr lang="fr-FR" smtClean="0"/>
+              <a:rPr lang="fr-FR"/>
               <a:t>Modifiez le style du titre</a:t>
             </a:r>
             <a:endParaRPr lang="fr-CH"/>
@@ -2682,7 +2682,7 @@
           </a:lstStyle>
           <a:p>
             <a:r>
-              <a:rPr lang="fr-FR" smtClean="0"/>
+              <a:rPr lang="fr-FR"/>
               <a:t>Cliquez sur l'icône pour ajouter une image</a:t>
             </a:r>
             <a:endParaRPr lang="fr-CH"/>
@@ -2748,7 +2748,7 @@
           <a:p>
             <a:pPr lvl="0"/>
             <a:r>
-              <a:rPr lang="fr-FR" smtClean="0"/>
+              <a:rPr lang="fr-FR"/>
               <a:t>Modifiez les styles du texte du masque</a:t>
             </a:r>
           </a:p>
@@ -2858,35 +2858,35 @@
           <a:p>
             <a:pPr lvl="0"/>
             <a:r>
-              <a:rPr lang="fr-FR" altLang="fr-FR" smtClean="0"/>
+              <a:rPr lang="fr-FR" altLang="fr-FR"/>
               <a:t>Cliquez pour modifier les styles du texte du masque</a:t>
             </a:r>
           </a:p>
           <a:p>
             <a:pPr lvl="1"/>
             <a:r>
-              <a:rPr lang="fr-FR" altLang="fr-FR" smtClean="0"/>
+              <a:rPr lang="fr-FR" altLang="fr-FR"/>
               <a:t>Deuxième niveau</a:t>
             </a:r>
           </a:p>
           <a:p>
             <a:pPr lvl="2"/>
             <a:r>
-              <a:rPr lang="fr-FR" altLang="fr-FR" smtClean="0"/>
+              <a:rPr lang="fr-FR" altLang="fr-FR"/>
               <a:t>Troisième niveau</a:t>
             </a:r>
           </a:p>
           <a:p>
             <a:pPr lvl="3"/>
             <a:r>
-              <a:rPr lang="fr-FR" altLang="fr-FR" smtClean="0"/>
+              <a:rPr lang="fr-FR" altLang="fr-FR"/>
               <a:t>Quatrième niveau</a:t>
             </a:r>
           </a:p>
           <a:p>
             <a:pPr lvl="4"/>
             <a:r>
-              <a:rPr lang="fr-FR" altLang="fr-FR" smtClean="0"/>
+              <a:rPr lang="fr-FR" altLang="fr-FR"/>
               <a:t>Cinquième niveau</a:t>
             </a:r>
           </a:p>
@@ -2954,7 +2954,7 @@
           <a:p>
             <a:pPr lvl="0"/>
             <a:r>
-              <a:rPr lang="fr-FR" altLang="fr-FR" smtClean="0"/>
+              <a:rPr lang="fr-FR" altLang="fr-FR"/>
               <a:t>Cliquez pour modifier le style du titre du masque</a:t>
             </a:r>
           </a:p>
@@ -3837,10 +3837,9 @@
           <a:lstStyle/>
           <a:p>
             <a:r>
-              <a:rPr lang="fr-FR" altLang="fr-FR" sz="10000" dirty="0" smtClean="0"/>
+              <a:rPr lang="fr-FR" altLang="fr-FR" sz="10000" dirty="0"/>
               <a:t>Transformation de coordonnées franco-suisse</a:t>
             </a:r>
-            <a:endParaRPr lang="fr-FR" altLang="fr-FR" sz="10000" dirty="0"/>
           </a:p>
         </p:txBody>
       </p:sp>
@@ -3893,7 +3892,7 @@
               <a:buChar char="•"/>
               <a:tabLst/>
             </a:pPr>
-            <a:endParaRPr kumimoji="0" lang="fr-CH" sz="7700" b="0" i="0" u="none" strike="noStrike" cap="none" normalizeH="0" baseline="0" smtClean="0">
+            <a:endParaRPr kumimoji="0" lang="fr-CH" sz="7700" b="0" i="0" u="none" strike="noStrike" cap="none" normalizeH="0" baseline="0">
               <a:ln>
                 <a:noFill/>
               </a:ln>
@@ -3932,7 +3931,7 @@
               <a:buNone/>
             </a:pPr>
             <a:r>
-              <a:rPr lang="fr-CH" sz="8800" b="1" dirty="0" smtClean="0">
+              <a:rPr lang="fr-CH" sz="8800" b="1" dirty="0">
                 <a:solidFill>
                   <a:schemeClr val="tx2"/>
                 </a:solidFill>
@@ -3942,14 +3941,6 @@
               </a:rPr>
               <a:t>SIG4</a:t>
             </a:r>
-            <a:endParaRPr lang="fr-CH" sz="8800" b="1" dirty="0">
-              <a:solidFill>
-                <a:schemeClr val="tx2"/>
-              </a:solidFill>
-              <a:latin typeface="+mj-lt"/>
-              <a:ea typeface="+mj-ea"/>
-              <a:cs typeface="+mj-cs"/>
-            </a:endParaRPr>
           </a:p>
         </p:txBody>
       </p:sp>
@@ -3979,7 +3970,7 @@
               <a:buNone/>
             </a:pPr>
             <a:r>
-              <a:rPr lang="fr-CH" sz="4000" dirty="0" err="1" smtClean="0">
+              <a:rPr lang="fr-CH" sz="4000" dirty="0" err="1">
                 <a:solidFill>
                   <a:schemeClr val="bg1">
                     <a:lumMod val="50000"/>
@@ -3992,7 +3983,7 @@
               <a:t>Della</a:t>
             </a:r>
             <a:r>
-              <a:rPr lang="fr-CH" sz="4000" dirty="0" smtClean="0">
+              <a:rPr lang="fr-CH" sz="4000" dirty="0">
                 <a:solidFill>
                   <a:schemeClr val="bg1">
                     <a:lumMod val="50000"/>
@@ -4005,7 +3996,7 @@
               <a:t> Casa Bruno et </a:t>
             </a:r>
             <a:r>
-              <a:rPr lang="fr-CH" sz="4000" dirty="0" err="1" smtClean="0">
+              <a:rPr lang="fr-CH" sz="4000" dirty="0" err="1">
                 <a:solidFill>
                   <a:schemeClr val="bg1">
                     <a:lumMod val="50000"/>
@@ -4018,7 +4009,7 @@
               <a:t>Bobillier</a:t>
             </a:r>
             <a:r>
-              <a:rPr lang="fr-CH" sz="4000" dirty="0" smtClean="0">
+              <a:rPr lang="fr-CH" sz="4000" dirty="0">
                 <a:solidFill>
                   <a:schemeClr val="bg1">
                     <a:lumMod val="50000"/>
@@ -4030,16 +4021,6 @@
               </a:rPr>
               <a:t> Quentin mai 2018</a:t>
             </a:r>
-            <a:endParaRPr lang="fr-CH" sz="4000" dirty="0">
-              <a:solidFill>
-                <a:schemeClr val="bg1">
-                  <a:lumMod val="50000"/>
-                </a:schemeClr>
-              </a:solidFill>
-              <a:latin typeface="+mj-lt"/>
-              <a:ea typeface="+mj-ea"/>
-              <a:cs typeface="+mj-cs"/>
-            </a:endParaRPr>
           </a:p>
         </p:txBody>
       </p:sp>
@@ -4069,7 +4050,7 @@
               <a:buNone/>
             </a:pPr>
             <a:r>
-              <a:rPr lang="fr-CH" sz="7000" u="sng" dirty="0" smtClean="0"/>
+              <a:rPr lang="fr-CH" sz="7000" u="sng" dirty="0"/>
               <a:t>Objectifs</a:t>
             </a:r>
           </a:p>
@@ -4078,15 +4059,15 @@
               <a:buNone/>
             </a:pPr>
             <a:r>
-              <a:rPr lang="fr-CH" sz="4000" dirty="0" smtClean="0"/>
+              <a:rPr lang="fr-CH" sz="4000" dirty="0"/>
               <a:t>Notre projet consiste à faire un </a:t>
             </a:r>
             <a:r>
-              <a:rPr lang="fr-CH" sz="4000" dirty="0" err="1" smtClean="0"/>
+              <a:rPr lang="fr-CH" sz="4000" dirty="0" err="1"/>
               <a:t>géoportail</a:t>
             </a:r>
             <a:r>
-              <a:rPr lang="fr-CH" sz="4000" dirty="0" smtClean="0"/>
+              <a:rPr lang="fr-CH" sz="4000" dirty="0"/>
               <a:t> qui permet de transformer des coordonnées entre la France et la Suisse.</a:t>
             </a:r>
           </a:p>
@@ -4095,7 +4076,7 @@
               <a:buNone/>
             </a:pPr>
             <a:r>
-              <a:rPr lang="fr-CH" sz="4000" dirty="0" smtClean="0"/>
+              <a:rPr lang="fr-CH" sz="4000" dirty="0"/>
               <a:t>Ce projet a été établi en commun entre la ENSG à Paris et la HEIG-VD à Yverdon  </a:t>
             </a:r>
           </a:p>
@@ -4127,10 +4108,10 @@
               <a:buNone/>
             </a:pPr>
             <a:r>
-              <a:rPr lang="fr-CH" sz="7000" u="sng" dirty="0" err="1" smtClean="0"/>
+              <a:rPr lang="fr-CH" sz="7000" u="sng" dirty="0" err="1"/>
               <a:t>Géoportail</a:t>
             </a:r>
-            <a:endParaRPr lang="fr-CH" sz="7000" u="sng" dirty="0" smtClean="0"/>
+            <a:endParaRPr lang="fr-CH" sz="7000" u="sng" dirty="0"/>
           </a:p>
         </p:txBody>
       </p:sp>
@@ -4209,7 +4190,7 @@
               <a:buChar char="•"/>
               <a:tabLst/>
             </a:pPr>
-            <a:endParaRPr kumimoji="0" lang="fr-CH" sz="7700" b="0" i="0" u="none" strike="noStrike" cap="none" normalizeH="0" baseline="0" smtClean="0">
+            <a:endParaRPr kumimoji="0" lang="fr-CH" sz="7700" b="0" i="0" u="none" strike="noStrike" cap="none" normalizeH="0" baseline="0">
               <a:ln>
                 <a:noFill/>
               </a:ln>
@@ -4248,7 +4229,7 @@
               <a:buNone/>
             </a:pPr>
             <a:r>
-              <a:rPr lang="fr-CH" sz="3800" dirty="0" smtClean="0"/>
+              <a:rPr lang="fr-CH" sz="3800" dirty="0"/>
               <a:t>Nous avons configuré notre site pour permettre à l’utilisateur de s’inscrire/se connecter ou continuer sans connexion</a:t>
             </a:r>
           </a:p>
@@ -4257,12 +4238,12 @@
               <a:buNone/>
             </a:pPr>
             <a:r>
-              <a:rPr lang="fr-CH" sz="3800" dirty="0" smtClean="0">
+              <a:rPr lang="fr-CH" sz="3800" dirty="0">
                 <a:sym typeface="Wingdings" panose="05000000000000000000" pitchFamily="2" charset="2"/>
               </a:rPr>
-              <a:t>Se connecter permet d’enregistrer ses points et de les récupérer lors d’une prochaine connexion</a:t>
-            </a:r>
-            <a:endParaRPr lang="fr-CH" sz="3800" dirty="0" smtClean="0"/>
+              <a:t> Se connecter permet d’enregistrer ses points et de les récupérer lors d’une prochaine connexion</a:t>
+            </a:r>
+            <a:endParaRPr lang="fr-CH" sz="3800" dirty="0"/>
           </a:p>
         </p:txBody>
       </p:sp>
@@ -4292,10 +4273,9 @@
               <a:buNone/>
             </a:pPr>
             <a:r>
-              <a:rPr lang="fr-CH" sz="4400" dirty="0" smtClean="0"/>
+              <a:rPr lang="fr-CH" sz="4400" dirty="0"/>
               <a:t>1. Connexion</a:t>
             </a:r>
-            <a:endParaRPr lang="fr-CH" sz="4400" dirty="0"/>
           </a:p>
         </p:txBody>
       </p:sp>
@@ -4325,10 +4305,9 @@
               <a:buNone/>
             </a:pPr>
             <a:r>
-              <a:rPr lang="fr-CH" sz="4400" dirty="0" smtClean="0"/>
+              <a:rPr lang="fr-CH" sz="4400" dirty="0"/>
               <a:t>2. Transformation de coordonnées</a:t>
             </a:r>
-            <a:endParaRPr lang="fr-CH" sz="4400" dirty="0"/>
           </a:p>
         </p:txBody>
       </p:sp>
@@ -4358,18 +4337,17 @@
               <a:buNone/>
             </a:pPr>
             <a:r>
-              <a:rPr lang="fr-CH" sz="4400" dirty="0" smtClean="0"/>
+              <a:rPr lang="fr-CH" sz="4400" dirty="0"/>
               <a:t>3. </a:t>
             </a:r>
             <a:r>
-              <a:rPr lang="fr-CH" sz="4400" dirty="0" err="1" smtClean="0"/>
+              <a:rPr lang="fr-CH" sz="4400" dirty="0" err="1"/>
               <a:t>Popup</a:t>
             </a:r>
             <a:r>
-              <a:rPr lang="fr-CH" sz="4400" dirty="0" smtClean="0"/>
+              <a:rPr lang="fr-CH" sz="4400" dirty="0"/>
               <a:t> des coordonnées du points</a:t>
             </a:r>
-            <a:endParaRPr lang="fr-CH" sz="4400" dirty="0"/>
           </a:p>
         </p:txBody>
       </p:sp>
@@ -4399,7 +4377,7 @@
               <a:buNone/>
             </a:pPr>
             <a:r>
-              <a:rPr lang="fr-CH" sz="3800" dirty="0" smtClean="0"/>
+              <a:rPr lang="fr-CH" sz="3800" dirty="0"/>
               <a:t>Les transformations planimétriques disponibles sont décrites dans le schéma ci-joint</a:t>
             </a:r>
           </a:p>
@@ -4430,7 +4408,7 @@
             <a:pPr>
               <a:buNone/>
             </a:pPr>
-            <a:endParaRPr lang="fr-CH" sz="3800" dirty="0" smtClean="0"/>
+            <a:endParaRPr lang="fr-CH" sz="3800" dirty="0"/>
           </a:p>
         </p:txBody>
       </p:sp>
@@ -4499,7 +4477,7 @@
               <a:buNone/>
             </a:pPr>
             <a:r>
-              <a:rPr lang="fr-CH" sz="3800" dirty="0" smtClean="0"/>
+              <a:rPr lang="fr-CH" sz="3800" dirty="0"/>
               <a:t>Les altimétries disponibles sont les hauteurs sur les ellipsoïdes GRS80 et Bessel1841 et les altitudes RAN95, NF02 et IGN69</a:t>
             </a:r>
           </a:p>
@@ -4508,7 +4486,7 @@
               <a:buNone/>
             </a:pPr>
             <a:r>
-              <a:rPr lang="fr-CH" sz="3800" dirty="0" smtClean="0"/>
+              <a:rPr lang="fr-CH" sz="3800" dirty="0"/>
               <a:t>La déviation de la verticale peut également être transformée.</a:t>
             </a:r>
           </a:p>
@@ -4517,7 +4495,7 @@
               <a:buNone/>
             </a:pPr>
             <a:r>
-              <a:rPr lang="fr-CH" sz="3800" dirty="0" smtClean="0"/>
+              <a:rPr lang="fr-CH" sz="3800" dirty="0"/>
               <a:t>Nos transformations ont été validées avec des points de référence (&lt;1mm)</a:t>
             </a:r>
           </a:p>
@@ -4549,7 +4527,7 @@
               <a:buNone/>
             </a:pPr>
             <a:r>
-              <a:rPr lang="fr-CH" sz="3800" dirty="0" smtClean="0"/>
+              <a:rPr lang="fr-CH" sz="3800" dirty="0"/>
               <a:t>Transformations par points ou via un fichier texte</a:t>
             </a:r>
           </a:p>
@@ -4581,15 +4559,15 @@
               <a:buNone/>
             </a:pPr>
             <a:r>
-              <a:rPr lang="fr-CH" sz="3800" dirty="0" smtClean="0"/>
+              <a:rPr lang="fr-CH" sz="3800" dirty="0"/>
               <a:t>L’utilisateur a la possibilité d’ajouter ses points à la carte. Il peut ainsi choisir ses systèmes de coordonnées. Les différentes coordonnées d’un point sont alors affichées dans une </a:t>
             </a:r>
             <a:r>
-              <a:rPr lang="fr-CH" sz="3800" dirty="0" err="1" smtClean="0"/>
+              <a:rPr lang="fr-CH" sz="3800" dirty="0" err="1"/>
               <a:t>popup</a:t>
             </a:r>
             <a:r>
-              <a:rPr lang="fr-CH" sz="3800" dirty="0" smtClean="0"/>
+              <a:rPr lang="fr-CH" sz="3800" dirty="0"/>
               <a:t> que l’utilisateur fait apparaître en cliquant sur le point</a:t>
             </a:r>
           </a:p>
@@ -4686,13 +4664,6 @@
   <p:clrMapOvr>
     <a:masterClrMapping/>
   </p:clrMapOvr>
-  <p:timing>
-    <p:tnLst>
-      <p:par>
-        <p:cTn id="1" dur="indefinite" restart="never" nodeType="tmRoot"/>
-      </p:par>
-    </p:tnLst>
-  </p:timing>
 </p:sld>
 </file>
 
@@ -5756,19 +5727,15 @@
 </file>
 
 <file path=customXml/item1.xml><?xml version="1.0" encoding="utf-8"?>
-<p:properties xmlns:p="http://schemas.microsoft.com/office/2006/metadata/properties" xmlns:xsi="http://www.w3.org/2001/XMLSchema-instance" xmlns:pc="http://schemas.microsoft.com/office/infopath/2007/PartnerControls">
-  <documentManagement>
-    <Type_x0020_de_x0020_logo xmlns="4b181ce3-7ba5-4b6e-978d-55077aa6f33a">Divers</Type_x0020_de_x0020_logo>
-    <Commentaire xmlns="4b181ce3-7ba5-4b6e-978d-55077aa6f33a" xsi:nil="true"/>
-  </documentManagement>
-</p:properties>
+<?mso-contentType ?>
+<FormTemplates xmlns="http://schemas.microsoft.com/sharepoint/v3/contenttype/forms">
+  <Display>DocumentLibraryForm</Display>
+  <Edit>DocumentLibraryForm</Edit>
+  <New>DocumentLibraryForm</New>
+</FormTemplates>
 </file>
 
 <file path=customXml/item2.xml><?xml version="1.0" encoding="utf-8"?>
-<LongProperties xmlns="http://schemas.microsoft.com/office/2006/metadata/longProperties"/>
-</file>
-
-<file path=customXml/item3.xml><?xml version="1.0" encoding="utf-8"?>
 <ct:contentTypeSchema xmlns:ct="http://schemas.microsoft.com/office/2006/metadata/contentType" xmlns:ma="http://schemas.microsoft.com/office/2006/metadata/properties/metaAttributes" ct:_="" ma:_="" ma:contentTypeName="Document" ma:contentTypeID="0x010100559F9E9E9201744789DF7FE165C042DD" ma:contentTypeVersion="2" ma:contentTypeDescription="Crée un document." ma:contentTypeScope="" ma:versionID="5c5ec55aac8cb094fcf39808e0d694bb">
   <xsd:schema xmlns:xsd="http://www.w3.org/2001/XMLSchema" xmlns:xs="http://www.w3.org/2001/XMLSchema" xmlns:p="http://schemas.microsoft.com/office/2006/metadata/properties" xmlns:ns2="4b181ce3-7ba5-4b6e-978d-55077aa6f33a" targetNamespace="http://schemas.microsoft.com/office/2006/metadata/properties" ma:root="true" ma:fieldsID="dbe77ab5f806669fd6f2ac6b37c6c461" ns2:_="">
     <xsd:import namespace="4b181ce3-7ba5-4b6e-978d-55077aa6f33a"/>
@@ -5916,40 +5883,28 @@
 </ct:contentTypeSchema>
 </file>
 
+<file path=customXml/item3.xml><?xml version="1.0" encoding="utf-8"?>
+<LongProperties xmlns="http://schemas.microsoft.com/office/2006/metadata/longProperties"/>
+</file>
+
 <file path=customXml/item4.xml><?xml version="1.0" encoding="utf-8"?>
-<?mso-contentType ?>
-<FormTemplates xmlns="http://schemas.microsoft.com/sharepoint/v3/contenttype/forms">
-  <Display>DocumentLibraryForm</Display>
-  <Edit>DocumentLibraryForm</Edit>
-  <New>DocumentLibraryForm</New>
-</FormTemplates>
+<p:properties xmlns:p="http://schemas.microsoft.com/office/2006/metadata/properties" xmlns:xsi="http://www.w3.org/2001/XMLSchema-instance" xmlns:pc="http://schemas.microsoft.com/office/infopath/2007/PartnerControls">
+  <documentManagement>
+    <Type_x0020_de_x0020_logo xmlns="4b181ce3-7ba5-4b6e-978d-55077aa6f33a">Divers</Type_x0020_de_x0020_logo>
+    <Commentaire xmlns="4b181ce3-7ba5-4b6e-978d-55077aa6f33a" xsi:nil="true"/>
+  </documentManagement>
+</p:properties>
 </file>
 
 <file path=customXml/itemProps1.xml><?xml version="1.0" encoding="utf-8"?>
-<ds:datastoreItem xmlns:ds="http://schemas.openxmlformats.org/officeDocument/2006/customXml" ds:itemID="{0E367240-BE19-45E0-9C77-61269D87C3FE}">
+<ds:datastoreItem xmlns:ds="http://schemas.openxmlformats.org/officeDocument/2006/customXml" ds:itemID="{F2491F65-AE5A-4947-ACB1-E77E8CEFDC0B}">
   <ds:schemaRefs>
-    <ds:schemaRef ds:uri="http://schemas.openxmlformats.org/package/2006/metadata/core-properties"/>
-    <ds:schemaRef ds:uri="http://purl.org/dc/dcmitype/"/>
-    <ds:schemaRef ds:uri="http://schemas.microsoft.com/office/infopath/2007/PartnerControls"/>
-    <ds:schemaRef ds:uri="4b181ce3-7ba5-4b6e-978d-55077aa6f33a"/>
-    <ds:schemaRef ds:uri="http://purl.org/dc/elements/1.1/"/>
-    <ds:schemaRef ds:uri="http://schemas.microsoft.com/office/2006/metadata/properties"/>
-    <ds:schemaRef ds:uri="http://schemas.microsoft.com/office/2006/documentManagement/types"/>
-    <ds:schemaRef ds:uri="http://purl.org/dc/terms/"/>
-    <ds:schemaRef ds:uri="http://www.w3.org/XML/1998/namespace"/>
+    <ds:schemaRef ds:uri="http://schemas.microsoft.com/sharepoint/v3/contenttype/forms"/>
   </ds:schemaRefs>
 </ds:datastoreItem>
 </file>
 
 <file path=customXml/itemProps2.xml><?xml version="1.0" encoding="utf-8"?>
-<ds:datastoreItem xmlns:ds="http://schemas.openxmlformats.org/officeDocument/2006/customXml" ds:itemID="{B191A9DB-3E3D-4FDF-9752-B789292A635F}">
-  <ds:schemaRefs>
-    <ds:schemaRef ds:uri="http://schemas.microsoft.com/office/2006/metadata/longProperties"/>
-  </ds:schemaRefs>
-</ds:datastoreItem>
-</file>
-
-<file path=customXml/itemProps3.xml><?xml version="1.0" encoding="utf-8"?>
 <ds:datastoreItem xmlns:ds="http://schemas.openxmlformats.org/officeDocument/2006/customXml" ds:itemID="{67BAF9A5-3F64-4A80-AE65-AE7281E6E810}">
   <ds:schemaRefs>
     <ds:schemaRef ds:uri="http://schemas.microsoft.com/office/2006/metadata/contentType"/>
@@ -5967,10 +5922,26 @@
 </ds:datastoreItem>
 </file>
 
+<file path=customXml/itemProps3.xml><?xml version="1.0" encoding="utf-8"?>
+<ds:datastoreItem xmlns:ds="http://schemas.openxmlformats.org/officeDocument/2006/customXml" ds:itemID="{B191A9DB-3E3D-4FDF-9752-B789292A635F}">
+  <ds:schemaRefs>
+    <ds:schemaRef ds:uri="http://schemas.microsoft.com/office/2006/metadata/longProperties"/>
+  </ds:schemaRefs>
+</ds:datastoreItem>
+</file>
+
 <file path=customXml/itemProps4.xml><?xml version="1.0" encoding="utf-8"?>
-<ds:datastoreItem xmlns:ds="http://schemas.openxmlformats.org/officeDocument/2006/customXml" ds:itemID="{F2491F65-AE5A-4947-ACB1-E77E8CEFDC0B}">
+<ds:datastoreItem xmlns:ds="http://schemas.openxmlformats.org/officeDocument/2006/customXml" ds:itemID="{0E367240-BE19-45E0-9C77-61269D87C3FE}">
   <ds:schemaRefs>
-    <ds:schemaRef ds:uri="http://schemas.microsoft.com/sharepoint/v3/contenttype/forms"/>
+    <ds:schemaRef ds:uri="http://schemas.openxmlformats.org/package/2006/metadata/core-properties"/>
+    <ds:schemaRef ds:uri="http://purl.org/dc/dcmitype/"/>
+    <ds:schemaRef ds:uri="http://schemas.microsoft.com/office/infopath/2007/PartnerControls"/>
+    <ds:schemaRef ds:uri="4b181ce3-7ba5-4b6e-978d-55077aa6f33a"/>
+    <ds:schemaRef ds:uri="http://purl.org/dc/elements/1.1/"/>
+    <ds:schemaRef ds:uri="http://schemas.microsoft.com/office/2006/metadata/properties"/>
+    <ds:schemaRef ds:uri="http://schemas.microsoft.com/office/2006/documentManagement/types"/>
+    <ds:schemaRef ds:uri="http://purl.org/dc/terms/"/>
+    <ds:schemaRef ds:uri="http://www.w3.org/XML/1998/namespace"/>
   </ds:schemaRefs>
 </ds:datastoreItem>
 </file>